--- a/slides_for_tests/10.pptx
+++ b/slides_for_tests/10.pptx
@@ -2,33 +2,33 @@
 <file path=ppt/presentation.xml><?xml version="1.0" encoding="utf-8"?>
 <p:presentation xmlns:a="http://schemas.openxmlformats.org/drawingml/2006/main" xmlns:r="http://schemas.openxmlformats.org/officeDocument/2006/relationships" xmlns:p="http://schemas.openxmlformats.org/presentationml/2006/main" showSpecialPlsOnTitleSld="0" strictFirstAndLastChars="0" embedTrueTypeFonts="1" saveSubsetFonts="1" autoCompressPictures="0">
   <p:sldMasterIdLst>
-    <p:sldMasterId id="2147483648" r:id="rId12"/>
+    <p:sldMasterId id="2147483648" r:id="rId13"/>
   </p:sldMasterIdLst>
   <p:notesMasterIdLst>
-    <p:notesMasterId r:id="rId17"/>
+    <p:notesMasterId r:id="rId18"/>
   </p:notesMasterIdLst>
   <p:sldIdLst>
-    <p:sldId id="2142533695" r:id="rId13"/>
-    <p:sldId id="2142533696" r:id="rId14"/>
-    <p:sldId id="2142533697" r:id="rId15"/>
-    <p:sldId id="2142533698" r:id="rId16"/>
+    <p:sldId id="2142533695" r:id="rId14"/>
+    <p:sldId id="2142533696" r:id="rId15"/>
+    <p:sldId id="2142533697" r:id="rId16"/>
+    <p:sldId id="2142533698" r:id="rId17"/>
   </p:sldIdLst>
   <p:sldSz cx="9144000" cy="5143500" type="screen16x9"/>
   <p:notesSz cx="6858000" cy="9144000"/>
   <p:embeddedFontLst>
     <p:embeddedFont>
       <p:font typeface="Exo" panose="020B0604020202020204" charset="0"/>
-      <p:regular r:id="rId18"/>
-      <p:bold r:id="rId19"/>
-      <p:italic r:id="rId20"/>
-      <p:boldItalic r:id="rId21"/>
+      <p:regular r:id="rId19"/>
+      <p:bold r:id="rId20"/>
+      <p:italic r:id="rId21"/>
+      <p:boldItalic r:id="rId22"/>
     </p:embeddedFont>
     <p:embeddedFont>
       <p:font typeface="Playfair Display SemiBold" panose="020B0604020202020204" charset="0"/>
-      <p:regular r:id="rId22"/>
-      <p:bold r:id="rId23"/>
-      <p:italic r:id="rId24"/>
-      <p:boldItalic r:id="rId25"/>
+      <p:regular r:id="rId23"/>
+      <p:bold r:id="rId24"/>
+      <p:italic r:id="rId25"/>
+      <p:boldItalic r:id="rId26"/>
     </p:embeddedFont>
   </p:embeddedFontLst>
   <p:defaultTextStyle>
@@ -306,7 +306,7 @@
       </p15:sldGuideLst>
     </p:ext>
     <p:ext uri="GoogleSlidesCustomDataVersion2">
-      <go:slidesCustomData xmlns:go="http://customooxmlschemas.google.com/" xmlns:ahyp="http://schemas.microsoft.com/office/drawing/2018/hyperlinkcolor" xmlns:p15="http://schemas.microsoft.com/office/powerpoint/2012/main" xmlns:p14="http://schemas.microsoft.com/office/powerpoint/2010/main" xmlns:com="http://schemas.openxmlformats.org/drawingml/2006/compatibility" xmlns:pvml="urn:schemas-microsoft-com:office:powerpoint" xmlns:v="urn:schemas-microsoft-com:vml" xmlns:o="urn:schemas-microsoft-com:office:office" xmlns:dgm="http://schemas.openxmlformats.org/drawingml/2006/diagram" xmlns:c="http://schemas.openxmlformats.org/drawingml/2006/chart" xmlns:mv="urn:schemas-microsoft-com:mac:vml" xmlns:mc="http://schemas.openxmlformats.org/markup-compatibility/2006" xmlns="" r:id="rId86" roundtripDataSignature="AMtx7mitAyxMKobwCOHYGfUOFeFsM+5RYw=="/>
+      <go:slidesCustomData xmlns="" xmlns:mc="http://schemas.openxmlformats.org/markup-compatibility/2006" xmlns:mv="urn:schemas-microsoft-com:mac:vml" xmlns:c="http://schemas.openxmlformats.org/drawingml/2006/chart" xmlns:dgm="http://schemas.openxmlformats.org/drawingml/2006/diagram" xmlns:o="urn:schemas-microsoft-com:office:office" xmlns:v="urn:schemas-microsoft-com:vml" xmlns:pvml="urn:schemas-microsoft-com:office:powerpoint" xmlns:com="http://schemas.openxmlformats.org/drawingml/2006/compatibility" xmlns:p14="http://schemas.microsoft.com/office/powerpoint/2010/main" xmlns:p15="http://schemas.microsoft.com/office/powerpoint/2012/main" xmlns:ahyp="http://schemas.microsoft.com/office/drawing/2018/hyperlinkcolor" xmlns:go="http://customooxmlschemas.google.com/" r:id="rId86" roundtripDataSignature="AMtx7mitAyxMKobwCOHYGfUOFeFsM+5RYw=="/>
     </p:ext>
   </p:extLst>
 </p:presentation>
@@ -9441,7 +9441,7 @@
               <a:buNone/>
             </a:pPr>
             <a:r>
-              <a:rPr lang="en-US" sz="1800" b="0" i="0" u="none" strike="noStrike" cap="none">
+              <a:rPr lang="en-US" sz="1800" b="0" i="0" u="none" strike="noStrike" cap="none" dirty="0">
                 <a:solidFill>
                   <a:schemeClr val="dk1"/>
                 </a:solidFill>
@@ -9453,7 +9453,7 @@
               <a:t>Logic and memory chips make up &gt;50% of the market</a:t>
             </a:r>
             <a:r>
-              <a:rPr lang="en-US" sz="1800" b="0" i="0" u="none" strike="noStrike" cap="none">
+              <a:rPr lang="en-US" sz="1800" b="0" i="0" u="none" strike="noStrike" cap="none" dirty="0">
                 <a:solidFill>
                   <a:schemeClr val="accent4"/>
                 </a:solidFill>
@@ -9464,7 +9464,7 @@
               </a:rPr>
               <a:t>.</a:t>
             </a:r>
-            <a:endParaRPr sz="1800" b="0" i="0" u="none" strike="noStrike" cap="none">
+            <a:endParaRPr sz="1800" b="0" i="0" u="none" strike="noStrike" cap="none" dirty="0">
               <a:solidFill>
                 <a:schemeClr val="accent4"/>
               </a:solidFill>
@@ -10234,7 +10234,7 @@
               <a:buNone/>
             </a:pPr>
             <a:r>
-              <a:rPr lang="en-US" sz="1400" b="0" i="0" u="none" strike="noStrike" cap="none">
+              <a:rPr lang="en-US" sz="1400" b="0" i="0" u="none" strike="noStrike" cap="none" dirty="0">
                 <a:solidFill>
                   <a:schemeClr val="accent4"/>
                 </a:solidFill>
@@ -10245,7 +10245,7 @@
               </a:rPr>
               <a:t>Product type description</a:t>
             </a:r>
-            <a:endParaRPr/>
+            <a:endParaRPr dirty="0"/>
           </a:p>
         </p:txBody>
       </p:sp>
@@ -10283,58 +10283,6 @@
           </a:ln>
         </p:spPr>
       </p:pic>
-      <p:sp>
-        <p:nvSpPr>
-          <p:cNvPr id="2" name="Rectangle 1">
-            <a:extLst>
-              <a:ext uri="{FF2B5EF4-FFF2-40B4-BE49-F238E27FC236}">
-                <a16:creationId xmlns:a16="http://schemas.microsoft.com/office/drawing/2014/main" id="{EE3A74DC-96A5-EE06-4DED-44714F8ADA0C}"/>
-              </a:ext>
-            </a:extLst>
-          </p:cNvPr>
-          <p:cNvSpPr/>
-          <p:nvPr/>
-        </p:nvSpPr>
-        <p:spPr>
-          <a:xfrm>
-            <a:off x="4472780" y="14716"/>
-            <a:ext cx="1874246" cy="347379"/>
-          </a:xfrm>
-          <a:prstGeom prst="rect">
-            <a:avLst/>
-          </a:prstGeom>
-          <a:solidFill>
-            <a:srgbClr val="FF0000"/>
-          </a:solidFill>
-        </p:spPr>
-        <p:style>
-          <a:lnRef idx="2">
-            <a:schemeClr val="accent1">
-              <a:shade val="15000"/>
-            </a:schemeClr>
-          </a:lnRef>
-          <a:fillRef idx="1">
-            <a:schemeClr val="accent1"/>
-          </a:fillRef>
-          <a:effectRef idx="0">
-            <a:schemeClr val="accent1"/>
-          </a:effectRef>
-          <a:fontRef idx="minor">
-            <a:schemeClr val="lt1"/>
-          </a:fontRef>
-        </p:style>
-        <p:txBody>
-          <a:bodyPr rtlCol="0" anchor="ctr"/>
-          <a:lstStyle/>
-          <a:p>
-            <a:pPr algn="ctr"/>
-            <a:r>
-              <a:rPr lang="en-US"/>
-              <a:t>Original slide</a:t>
-            </a:r>
-          </a:p>
-        </p:txBody>
-      </p:sp>
     </p:spTree>
     <p:extLst>
       <p:ext uri="{BB962C8B-B14F-4D97-AF65-F5344CB8AC3E}">
@@ -14337,6 +14285,28 @@
 </Settings>
 </file>
 
+<file path=customXml/item12.xml><?xml version="1.0" encoding="utf-8"?>
+<Settings xmlns="http://www.plsfix.com/xml">
+  <Margins marginLeft="75" marginTop="50" marginRight="50" marginBottom="50"/>
+  <Fontnames fontname="Exo"/>
+  <Fontsizes>
+    <Fontsize size="14"/>
+    <Fontsize size="12"/>
+    <Fontsize size="10"/>
+  </Fontsizes>
+  <Colors>
+    <Color rgb="75.70.98"/>
+    <Color rgb="233.10.109"/>
+    <Color rgb="52.35.126"/>
+    <Color rgb="255.255.255"/>
+  </Colors>
+  <Shapes>
+    <Shape shapeID="title" FontSize="18" FontName="Playfair Display SemiBold" FontColor="35.33.58" Left="75" Top="39" Width="623" Height="24"/>
+    <Shape shapeID="footnote" FontSize="8" Left="75" Top="350" Width="623" Height="20"/>
+  </Shapes>
+</Settings>
+</file>
+
 <file path=customXml/item2.xml><?xml version="1.0" encoding="utf-8"?>
 <Settings xmlns="http://www.plsfix.com/xml">
   <Margins marginLeft="75" marginTop="50" marginRight="50" marginBottom="50"/>
@@ -14522,6 +14492,54 @@
 </file>
 
 <file path=customXml/itemProps10.xml><?xml version="1.0" encoding="utf-8"?>
+<ds:datastoreItem xmlns:ds="http://schemas.openxmlformats.org/officeDocument/2006/customXml" ds:itemID="{A5FDE4E3-B9FF-4598-8323-5A50F98EE66A}">
+  <ds:schemaRefs>
+    <ds:schemaRef ds:uri="http://www.plsfix.com/xml"/>
+  </ds:schemaRefs>
+</ds:datastoreItem>
+</file>
+
+<file path=customXml/itemProps11.xml><?xml version="1.0" encoding="utf-8"?>
+<ds:datastoreItem xmlns:ds="http://schemas.openxmlformats.org/officeDocument/2006/customXml" ds:itemID="{366EBCF0-ACB3-4923-976B-814B3EB38F23}">
+  <ds:schemaRefs>
+    <ds:schemaRef ds:uri="http://www.plsfix.com/xml"/>
+  </ds:schemaRefs>
+</ds:datastoreItem>
+</file>
+
+<file path=customXml/itemProps12.xml><?xml version="1.0" encoding="utf-8"?>
+<ds:datastoreItem xmlns:ds="http://schemas.openxmlformats.org/officeDocument/2006/customXml" ds:itemID="{75A62598-BF1E-4F72-A8B7-1EBE1F65C16C}">
+  <ds:schemaRefs>
+    <ds:schemaRef ds:uri="http://www.plsfix.com/xml"/>
+  </ds:schemaRefs>
+</ds:datastoreItem>
+</file>
+
+<file path=customXml/itemProps2.xml><?xml version="1.0" encoding="utf-8"?>
+<ds:datastoreItem xmlns:ds="http://schemas.openxmlformats.org/officeDocument/2006/customXml" ds:itemID="{6A80EC03-2957-4CA5-988D-9F7DF23904F8}">
+  <ds:schemaRefs>
+    <ds:schemaRef ds:uri="http://www.plsfix.com/xml"/>
+  </ds:schemaRefs>
+</ds:datastoreItem>
+</file>
+
+<file path=customXml/itemProps3.xml><?xml version="1.0" encoding="utf-8"?>
+<ds:datastoreItem xmlns:ds="http://schemas.openxmlformats.org/officeDocument/2006/customXml" ds:itemID="{998A5C03-42B9-43B0-9022-043F2F3EE176}">
+  <ds:schemaRefs>
+    <ds:schemaRef ds:uri="http://www.plsfix.com/xml"/>
+  </ds:schemaRefs>
+</ds:datastoreItem>
+</file>
+
+<file path=customXml/itemProps4.xml><?xml version="1.0" encoding="utf-8"?>
+<ds:datastoreItem xmlns:ds="http://schemas.openxmlformats.org/officeDocument/2006/customXml" ds:itemID="{D228FE91-8E7B-4E3C-A092-0A0588763D57}">
+  <ds:schemaRefs>
+    <ds:schemaRef ds:uri="http://www.plsfix.com/xml"/>
+  </ds:schemaRefs>
+</ds:datastoreItem>
+</file>
+
+<file path=customXml/itemProps5.xml><?xml version="1.0" encoding="utf-8"?>
 <ds:datastoreItem xmlns:ds="http://schemas.openxmlformats.org/officeDocument/2006/customXml" ds:itemID="{6F288B63-8920-487F-AD7C-04817E0E893A}">
   <ds:schemaRefs>
     <ds:schemaRef ds:uri="http://www.plsfix.com/xml"/>
@@ -14529,31 +14547,7 @@
 </ds:datastoreItem>
 </file>
 
-<file path=customXml/itemProps11.xml><?xml version="1.0" encoding="utf-8"?>
-<ds:datastoreItem xmlns:ds="http://schemas.openxmlformats.org/officeDocument/2006/customXml" ds:itemID="{998A5C03-42B9-43B0-9022-043F2F3EE176}">
-  <ds:schemaRefs>
-    <ds:schemaRef ds:uri="http://www.plsfix.com/xml"/>
-  </ds:schemaRefs>
-</ds:datastoreItem>
-</file>
-
-<file path=customXml/itemProps2.xml><?xml version="1.0" encoding="utf-8"?>
-<ds:datastoreItem xmlns:ds="http://schemas.openxmlformats.org/officeDocument/2006/customXml" ds:itemID="{366EBCF0-ACB3-4923-976B-814B3EB38F23}">
-  <ds:schemaRefs>
-    <ds:schemaRef ds:uri="http://www.plsfix.com/xml"/>
-  </ds:schemaRefs>
-</ds:datastoreItem>
-</file>
-
-<file path=customXml/itemProps3.xml><?xml version="1.0" encoding="utf-8"?>
-<ds:datastoreItem xmlns:ds="http://schemas.openxmlformats.org/officeDocument/2006/customXml" ds:itemID="{3CC6E0F0-A8F5-409A-A9DE-FE959D1CB749}">
-  <ds:schemaRefs>
-    <ds:schemaRef ds:uri="http://www.plsfix.com/xml"/>
-  </ds:schemaRefs>
-</ds:datastoreItem>
-</file>
-
-<file path=customXml/itemProps4.xml><?xml version="1.0" encoding="utf-8"?>
+<file path=customXml/itemProps6.xml><?xml version="1.0" encoding="utf-8"?>
 <ds:datastoreItem xmlns:ds="http://schemas.openxmlformats.org/officeDocument/2006/customXml" ds:itemID="{3B6FA58A-BFA2-41A0-95EC-54045DD508E5}">
   <ds:schemaRefs>
     <ds:schemaRef ds:uri="http://www.plsfix.com/xml"/>
@@ -14561,24 +14555,8 @@
 </ds:datastoreItem>
 </file>
 
-<file path=customXml/itemProps5.xml><?xml version="1.0" encoding="utf-8"?>
-<ds:datastoreItem xmlns:ds="http://schemas.openxmlformats.org/officeDocument/2006/customXml" ds:itemID="{D228FE91-8E7B-4E3C-A092-0A0588763D57}">
-  <ds:schemaRefs>
-    <ds:schemaRef ds:uri="http://www.plsfix.com/xml"/>
-  </ds:schemaRefs>
-</ds:datastoreItem>
-</file>
-
-<file path=customXml/itemProps6.xml><?xml version="1.0" encoding="utf-8"?>
-<ds:datastoreItem xmlns:ds="http://schemas.openxmlformats.org/officeDocument/2006/customXml" ds:itemID="{6A80EC03-2957-4CA5-988D-9F7DF23904F8}">
-  <ds:schemaRefs>
-    <ds:schemaRef ds:uri="http://www.plsfix.com/xml"/>
-  </ds:schemaRefs>
-</ds:datastoreItem>
-</file>
-
 <file path=customXml/itemProps7.xml><?xml version="1.0" encoding="utf-8"?>
-<ds:datastoreItem xmlns:ds="http://schemas.openxmlformats.org/officeDocument/2006/customXml" ds:itemID="{A5FDE4E3-B9FF-4598-8323-5A50F98EE66A}">
+<ds:datastoreItem xmlns:ds="http://schemas.openxmlformats.org/officeDocument/2006/customXml" ds:itemID="{B580167E-42FA-4569-A0F6-8B1DD49DDE20}">
   <ds:schemaRefs>
     <ds:schemaRef ds:uri="http://www.plsfix.com/xml"/>
   </ds:schemaRefs>
@@ -14594,7 +14572,7 @@
 </file>
 
 <file path=customXml/itemProps9.xml><?xml version="1.0" encoding="utf-8"?>
-<ds:datastoreItem xmlns:ds="http://schemas.openxmlformats.org/officeDocument/2006/customXml" ds:itemID="{B580167E-42FA-4569-A0F6-8B1DD49DDE20}">
+<ds:datastoreItem xmlns:ds="http://schemas.openxmlformats.org/officeDocument/2006/customXml" ds:itemID="{3CC6E0F0-A8F5-409A-A9DE-FE959D1CB749}">
   <ds:schemaRefs>
     <ds:schemaRef ds:uri="http://www.plsfix.com/xml"/>
   </ds:schemaRefs>
